--- a/document/Presantation.pptx
+++ b/document/Presantation.pptx
@@ -18067,7 +18067,7 @@
             <a:pPr marL="0" indent="0" algn="l"/>
             <a:r>
               <a:rPr lang="en-US" dirty="0"/>
-              <a:t>			1. Krunal Bhavsar		201609590000</a:t>
+              <a:t>			1. Krunal Bhavsar		201609590000807</a:t>
             </a:r>
           </a:p>
           <a:p>
@@ -26889,7 +26889,11 @@
             </a:pPr>
             <a:r>
               <a:rPr lang="en-US" dirty="0"/>
-              <a:t>The current website takes more money as commotions. </a:t>
+              <a:t>The current website takes more money </a:t>
+            </a:r>
+            <a:r>
+              <a:rPr lang="en-US"/>
+              <a:t>as commission. </a:t>
             </a:r>
             <a:endParaRPr dirty="0"/>
           </a:p>
